--- a/docs/Presentation_Kafence.pptx
+++ b/docs/Presentation_Kafence.pptx
@@ -5,16 +5,17 @@
     <p:sldMasterId id="2147483648" r:id="rId4"/>
   </p:sldMasterIdLst>
   <p:notesMasterIdLst>
-    <p:notesMasterId r:id="rId12"/>
+    <p:notesMasterId r:id="rId13"/>
   </p:notesMasterIdLst>
   <p:sldIdLst>
     <p:sldId id="256" r:id="rId5"/>
     <p:sldId id="257" r:id="rId6"/>
-    <p:sldId id="259" r:id="rId7"/>
-    <p:sldId id="263" r:id="rId8"/>
-    <p:sldId id="261" r:id="rId9"/>
-    <p:sldId id="262" r:id="rId10"/>
-    <p:sldId id="260" r:id="rId11"/>
+    <p:sldId id="264" r:id="rId7"/>
+    <p:sldId id="259" r:id="rId8"/>
+    <p:sldId id="263" r:id="rId9"/>
+    <p:sldId id="261" r:id="rId10"/>
+    <p:sldId id="262" r:id="rId11"/>
+    <p:sldId id="260" r:id="rId12"/>
   </p:sldIdLst>
   <p:sldSz cx="12192000" cy="6858000"/>
   <p:notesSz cx="6858000" cy="9144000"/>
@@ -222,7 +223,7 @@
           <a:p>
             <a:fld id="{5CDD9887-4018-4CE9-92A7-33138C7EC0FB}" type="datetimeFigureOut">
               <a:rPr lang="en-US" smtClean="0"/>
-              <a:t>11/27/24</a:t>
+              <a:t>11/29/24</a:t>
             </a:fld>
             <a:endParaRPr lang="en-US"/>
           </a:p>
@@ -636,7 +637,7 @@
           <a:p>
             <a:fld id="{79398311-4AB7-4FB7-92A8-A52E1A8EF309}" type="datetimeFigureOut">
               <a:rPr lang="en-US" smtClean="0"/>
-              <a:t>11/27/24</a:t>
+              <a:t>11/29/24</a:t>
             </a:fld>
             <a:endParaRPr lang="en-US"/>
           </a:p>
@@ -834,7 +835,7 @@
           <a:p>
             <a:fld id="{79398311-4AB7-4FB7-92A8-A52E1A8EF309}" type="datetimeFigureOut">
               <a:rPr lang="en-US" smtClean="0"/>
-              <a:t>11/27/24</a:t>
+              <a:t>11/29/24</a:t>
             </a:fld>
             <a:endParaRPr lang="en-US"/>
           </a:p>
@@ -1042,7 +1043,7 @@
           <a:p>
             <a:fld id="{79398311-4AB7-4FB7-92A8-A52E1A8EF309}" type="datetimeFigureOut">
               <a:rPr lang="en-US" smtClean="0"/>
-              <a:t>11/27/24</a:t>
+              <a:t>11/29/24</a:t>
             </a:fld>
             <a:endParaRPr lang="en-US"/>
           </a:p>
@@ -1240,7 +1241,7 @@
           <a:p>
             <a:fld id="{79398311-4AB7-4FB7-92A8-A52E1A8EF309}" type="datetimeFigureOut">
               <a:rPr lang="en-US" smtClean="0"/>
-              <a:t>11/27/24</a:t>
+              <a:t>11/29/24</a:t>
             </a:fld>
             <a:endParaRPr lang="en-US"/>
           </a:p>
@@ -1515,7 +1516,7 @@
           <a:p>
             <a:fld id="{79398311-4AB7-4FB7-92A8-A52E1A8EF309}" type="datetimeFigureOut">
               <a:rPr lang="en-US" smtClean="0"/>
-              <a:t>11/27/24</a:t>
+              <a:t>11/29/24</a:t>
             </a:fld>
             <a:endParaRPr lang="en-US"/>
           </a:p>
@@ -1780,7 +1781,7 @@
           <a:p>
             <a:fld id="{79398311-4AB7-4FB7-92A8-A52E1A8EF309}" type="datetimeFigureOut">
               <a:rPr lang="en-US" smtClean="0"/>
-              <a:t>11/27/24</a:t>
+              <a:t>11/29/24</a:t>
             </a:fld>
             <a:endParaRPr lang="en-US"/>
           </a:p>
@@ -2192,7 +2193,7 @@
           <a:p>
             <a:fld id="{79398311-4AB7-4FB7-92A8-A52E1A8EF309}" type="datetimeFigureOut">
               <a:rPr lang="en-US" smtClean="0"/>
-              <a:t>11/27/24</a:t>
+              <a:t>11/29/24</a:t>
             </a:fld>
             <a:endParaRPr lang="en-US"/>
           </a:p>
@@ -2333,7 +2334,7 @@
           <a:p>
             <a:fld id="{79398311-4AB7-4FB7-92A8-A52E1A8EF309}" type="datetimeFigureOut">
               <a:rPr lang="en-US" smtClean="0"/>
-              <a:t>11/27/24</a:t>
+              <a:t>11/29/24</a:t>
             </a:fld>
             <a:endParaRPr lang="en-US"/>
           </a:p>
@@ -2446,7 +2447,7 @@
           <a:p>
             <a:fld id="{79398311-4AB7-4FB7-92A8-A52E1A8EF309}" type="datetimeFigureOut">
               <a:rPr lang="en-US" smtClean="0"/>
-              <a:t>11/27/24</a:t>
+              <a:t>11/29/24</a:t>
             </a:fld>
             <a:endParaRPr lang="en-US"/>
           </a:p>
@@ -2757,7 +2758,7 @@
           <a:p>
             <a:fld id="{79398311-4AB7-4FB7-92A8-A52E1A8EF309}" type="datetimeFigureOut">
               <a:rPr lang="en-US" smtClean="0"/>
-              <a:t>11/27/24</a:t>
+              <a:t>11/29/24</a:t>
             </a:fld>
             <a:endParaRPr lang="en-US"/>
           </a:p>
@@ -3045,7 +3046,7 @@
           <a:p>
             <a:fld id="{79398311-4AB7-4FB7-92A8-A52E1A8EF309}" type="datetimeFigureOut">
               <a:rPr lang="en-US" smtClean="0"/>
-              <a:t>11/27/24</a:t>
+              <a:t>11/29/24</a:t>
             </a:fld>
             <a:endParaRPr lang="en-US"/>
           </a:p>
@@ -3286,7 +3287,7 @@
           <a:p>
             <a:fld id="{79398311-4AB7-4FB7-92A8-A52E1A8EF309}" type="datetimeFigureOut">
               <a:rPr lang="en-US" smtClean="0"/>
-              <a:t>11/27/24</a:t>
+              <a:t>11/29/24</a:t>
             </a:fld>
             <a:endParaRPr lang="en-US"/>
           </a:p>
@@ -6991,7 +6992,13 @@
     </p:bg>
     <p:spTree>
       <p:nvGrpSpPr>
-        <p:cNvPr id="1" name=""/>
+        <p:cNvPr id="1" name="">
+          <a:extLst>
+            <a:ext uri="{FF2B5EF4-FFF2-40B4-BE49-F238E27FC236}">
+              <a16:creationId xmlns:a16="http://schemas.microsoft.com/office/drawing/2014/main" id="{200AC3BB-8047-CF8D-FAC9-0D03F1B8981F}"/>
+            </a:ext>
+          </a:extLst>
+        </p:cNvPr>
         <p:cNvGrpSpPr/>
         <p:nvPr/>
       </p:nvGrpSpPr>
@@ -7008,7 +7015,7 @@
           <p:cNvPr id="3" name="Freeform: Shape 2">
             <a:extLst>
               <a:ext uri="{FF2B5EF4-FFF2-40B4-BE49-F238E27FC236}">
-                <a16:creationId xmlns:a16="http://schemas.microsoft.com/office/drawing/2014/main" id="{E49DC0FA-9113-8D04-BD2B-A5DE50506343}"/>
+                <a16:creationId xmlns:a16="http://schemas.microsoft.com/office/drawing/2014/main" id="{8B3C4569-267B-47C9-40F5-138045AE4BAF}"/>
               </a:ext>
             </a:extLst>
           </p:cNvPr>
@@ -7017,7 +7024,7 @@
         </p:nvSpPr>
         <p:spPr>
           <a:xfrm rot="5400000" flipV="1">
-            <a:off x="-6625222" y="2940286"/>
+            <a:off x="-6625222" y="2826998"/>
             <a:ext cx="14439899" cy="1215958"/>
           </a:xfrm>
           <a:custGeom>
@@ -7621,6 +7628,1592 @@
             <a:hlinkClick r:id="rId2" action="ppaction://hlinksldjump"/>
             <a:extLst>
               <a:ext uri="{FF2B5EF4-FFF2-40B4-BE49-F238E27FC236}">
+                <a16:creationId xmlns:a16="http://schemas.microsoft.com/office/drawing/2014/main" id="{FCFF1989-F438-BD1E-EEC1-6CA945C02B2E}"/>
+              </a:ext>
+            </a:extLst>
+          </p:cNvPr>
+          <p:cNvPicPr>
+            <a:picLocks noChangeAspect="1"/>
+          </p:cNvPicPr>
+          <p:nvPr/>
+        </p:nvPicPr>
+        <p:blipFill>
+          <a:blip r:embed="rId3">
+            <a:extLst>
+              <a:ext uri="{28A0092B-C50C-407E-A947-70E740481C1C}">
+                <a14:useLocalDpi xmlns:a14="http://schemas.microsoft.com/office/drawing/2010/main" val="0"/>
+              </a:ext>
+              <a:ext uri="{96DAC541-7B7A-43D3-8B79-37D633B846F1}">
+                <asvg:svgBlip xmlns:asvg="http://schemas.microsoft.com/office/drawing/2016/SVG/main" r:embed="rId4"/>
+              </a:ext>
+            </a:extLst>
+          </a:blip>
+          <a:stretch>
+            <a:fillRect/>
+          </a:stretch>
+        </p:blipFill>
+        <p:spPr>
+          <a:xfrm>
+            <a:off x="54077" y="981162"/>
+            <a:ext cx="772780" cy="765022"/>
+          </a:xfrm>
+          <a:prstGeom prst="rect">
+            <a:avLst/>
+          </a:prstGeom>
+        </p:spPr>
+      </p:pic>
+      <p:grpSp>
+        <p:nvGrpSpPr>
+          <p:cNvPr id="25" name="Group 24">
+            <a:extLst>
+              <a:ext uri="{FF2B5EF4-FFF2-40B4-BE49-F238E27FC236}">
+                <a16:creationId xmlns:a16="http://schemas.microsoft.com/office/drawing/2014/main" id="{41A42E2B-2355-16BE-944C-7BBD58138E14}"/>
+              </a:ext>
+            </a:extLst>
+          </p:cNvPr>
+          <p:cNvGrpSpPr/>
+          <p:nvPr/>
+        </p:nvGrpSpPr>
+        <p:grpSpPr>
+          <a:xfrm>
+            <a:off x="-1066029" y="861601"/>
+            <a:ext cx="884583" cy="884583"/>
+            <a:chOff x="755167" y="905798"/>
+            <a:chExt cx="884583" cy="884583"/>
+          </a:xfrm>
+        </p:grpSpPr>
+        <p:sp>
+          <p:nvSpPr>
+            <p:cNvPr id="26" name="Oval 25">
+              <a:extLst>
+                <a:ext uri="{FF2B5EF4-FFF2-40B4-BE49-F238E27FC236}">
+                  <a16:creationId xmlns:a16="http://schemas.microsoft.com/office/drawing/2014/main" id="{D58830CD-5C29-CA99-20DE-DC410E4604FA}"/>
+                </a:ext>
+              </a:extLst>
+            </p:cNvPr>
+            <p:cNvSpPr/>
+            <p:nvPr/>
+          </p:nvSpPr>
+          <p:spPr>
+            <a:xfrm>
+              <a:off x="755167" y="905798"/>
+              <a:ext cx="884583" cy="884583"/>
+            </a:xfrm>
+            <a:prstGeom prst="ellipse">
+              <a:avLst/>
+            </a:prstGeom>
+            <a:solidFill>
+              <a:schemeClr val="bg1"/>
+            </a:solidFill>
+            <a:ln>
+              <a:solidFill>
+                <a:schemeClr val="bg1"/>
+              </a:solidFill>
+            </a:ln>
+          </p:spPr>
+          <p:style>
+            <a:lnRef idx="2">
+              <a:schemeClr val="accent1">
+                <a:shade val="50000"/>
+              </a:schemeClr>
+            </a:lnRef>
+            <a:fillRef idx="1">
+              <a:schemeClr val="accent1"/>
+            </a:fillRef>
+            <a:effectRef idx="0">
+              <a:schemeClr val="accent1"/>
+            </a:effectRef>
+            <a:fontRef idx="minor">
+              <a:schemeClr val="lt1"/>
+            </a:fontRef>
+          </p:style>
+          <p:txBody>
+            <a:bodyPr rtlCol="0" anchor="ctr"/>
+            <a:lstStyle/>
+            <a:p>
+              <a:pPr algn="ctr"/>
+              <a:endParaRPr lang="en-US"/>
+            </a:p>
+          </p:txBody>
+        </p:sp>
+        <p:pic>
+          <p:nvPicPr>
+            <p:cNvPr id="29" name="Graphic 28" descr="Play with solid fill">
+              <a:extLst>
+                <a:ext uri="{FF2B5EF4-FFF2-40B4-BE49-F238E27FC236}">
+                  <a16:creationId xmlns:a16="http://schemas.microsoft.com/office/drawing/2014/main" id="{89B3FBAB-4D7F-E069-768D-10F62D7B4F29}"/>
+                </a:ext>
+              </a:extLst>
+            </p:cNvPr>
+            <p:cNvPicPr>
+              <a:picLocks noChangeAspect="1"/>
+            </p:cNvPicPr>
+            <p:nvPr/>
+          </p:nvPicPr>
+          <p:blipFill>
+            <a:blip r:embed="rId5">
+              <a:extLst>
+                <a:ext uri="{28A0092B-C50C-407E-A947-70E740481C1C}">
+                  <a14:useLocalDpi xmlns:a14="http://schemas.microsoft.com/office/drawing/2010/main" val="0"/>
+                </a:ext>
+                <a:ext uri="{96DAC541-7B7A-43D3-8B79-37D633B846F1}">
+                  <asvg:svgBlip xmlns:asvg="http://schemas.microsoft.com/office/drawing/2016/SVG/main" r:embed="rId6"/>
+                </a:ext>
+              </a:extLst>
+            </a:blip>
+            <a:stretch>
+              <a:fillRect/>
+            </a:stretch>
+          </p:blipFill>
+          <p:spPr>
+            <a:xfrm>
+              <a:off x="851802" y="991370"/>
+              <a:ext cx="772780" cy="765022"/>
+            </a:xfrm>
+            <a:prstGeom prst="rect">
+              <a:avLst/>
+            </a:prstGeom>
+          </p:spPr>
+        </p:pic>
+      </p:grpSp>
+      <p:grpSp>
+        <p:nvGrpSpPr>
+          <p:cNvPr id="32" name="Group 31">
+            <a:extLst>
+              <a:ext uri="{FF2B5EF4-FFF2-40B4-BE49-F238E27FC236}">
+                <a16:creationId xmlns:a16="http://schemas.microsoft.com/office/drawing/2014/main" id="{FE36B66C-9F83-406A-035B-B76165F12EE8}"/>
+              </a:ext>
+            </a:extLst>
+          </p:cNvPr>
+          <p:cNvGrpSpPr/>
+          <p:nvPr/>
+        </p:nvGrpSpPr>
+        <p:grpSpPr>
+          <a:xfrm>
+            <a:off x="-1059970" y="2041905"/>
+            <a:ext cx="914400" cy="923474"/>
+            <a:chOff x="-1059970" y="2041905"/>
+            <a:chExt cx="914400" cy="923474"/>
+          </a:xfrm>
+        </p:grpSpPr>
+        <p:sp>
+          <p:nvSpPr>
+            <p:cNvPr id="33" name="Oval 32">
+              <a:extLst>
+                <a:ext uri="{FF2B5EF4-FFF2-40B4-BE49-F238E27FC236}">
+                  <a16:creationId xmlns:a16="http://schemas.microsoft.com/office/drawing/2014/main" id="{DFC801B4-E566-3C8A-56A0-46073D9AD900}"/>
+                </a:ext>
+              </a:extLst>
+            </p:cNvPr>
+            <p:cNvSpPr/>
+            <p:nvPr/>
+          </p:nvSpPr>
+          <p:spPr>
+            <a:xfrm>
+              <a:off x="-1051773" y="2041905"/>
+              <a:ext cx="884583" cy="884583"/>
+            </a:xfrm>
+            <a:prstGeom prst="ellipse">
+              <a:avLst/>
+            </a:prstGeom>
+            <a:solidFill>
+              <a:schemeClr val="bg1"/>
+            </a:solidFill>
+            <a:ln>
+              <a:solidFill>
+                <a:schemeClr val="bg1"/>
+              </a:solidFill>
+            </a:ln>
+          </p:spPr>
+          <p:style>
+            <a:lnRef idx="2">
+              <a:schemeClr val="accent1">
+                <a:shade val="50000"/>
+              </a:schemeClr>
+            </a:lnRef>
+            <a:fillRef idx="1">
+              <a:schemeClr val="accent1"/>
+            </a:fillRef>
+            <a:effectRef idx="0">
+              <a:schemeClr val="accent1"/>
+            </a:effectRef>
+            <a:fontRef idx="minor">
+              <a:schemeClr val="lt1"/>
+            </a:fontRef>
+          </p:style>
+          <p:txBody>
+            <a:bodyPr rtlCol="0" anchor="ctr"/>
+            <a:lstStyle/>
+            <a:p>
+              <a:pPr algn="ctr"/>
+              <a:endParaRPr lang="en-US"/>
+            </a:p>
+          </p:txBody>
+        </p:sp>
+        <p:pic>
+          <p:nvPicPr>
+            <p:cNvPr id="34" name="Graphic 33" descr="Users outline">
+              <a:extLst>
+                <a:ext uri="{FF2B5EF4-FFF2-40B4-BE49-F238E27FC236}">
+                  <a16:creationId xmlns:a16="http://schemas.microsoft.com/office/drawing/2014/main" id="{9CBC38E3-F937-4780-493D-0E55DD066832}"/>
+                </a:ext>
+              </a:extLst>
+            </p:cNvPr>
+            <p:cNvPicPr>
+              <a:picLocks noChangeAspect="1"/>
+            </p:cNvPicPr>
+            <p:nvPr/>
+          </p:nvPicPr>
+          <p:blipFill>
+            <a:blip r:embed="rId7">
+              <a:extLst>
+                <a:ext uri="{28A0092B-C50C-407E-A947-70E740481C1C}">
+                  <a14:useLocalDpi xmlns:a14="http://schemas.microsoft.com/office/drawing/2010/main" val="0"/>
+                </a:ext>
+                <a:ext uri="{96DAC541-7B7A-43D3-8B79-37D633B846F1}">
+                  <asvg:svgBlip xmlns:asvg="http://schemas.microsoft.com/office/drawing/2016/SVG/main" r:embed="rId8"/>
+                </a:ext>
+              </a:extLst>
+            </a:blip>
+            <a:stretch>
+              <a:fillRect/>
+            </a:stretch>
+          </p:blipFill>
+          <p:spPr>
+            <a:xfrm>
+              <a:off x="-1059970" y="2050979"/>
+              <a:ext cx="914400" cy="914400"/>
+            </a:xfrm>
+            <a:prstGeom prst="rect">
+              <a:avLst/>
+            </a:prstGeom>
+          </p:spPr>
+        </p:pic>
+      </p:grpSp>
+      <p:grpSp>
+        <p:nvGrpSpPr>
+          <p:cNvPr id="35" name="Group 34">
+            <a:extLst>
+              <a:ext uri="{FF2B5EF4-FFF2-40B4-BE49-F238E27FC236}">
+                <a16:creationId xmlns:a16="http://schemas.microsoft.com/office/drawing/2014/main" id="{92079274-1ABF-2EA7-2550-A891AAC6ED21}"/>
+              </a:ext>
+            </a:extLst>
+          </p:cNvPr>
+          <p:cNvGrpSpPr/>
+          <p:nvPr/>
+        </p:nvGrpSpPr>
+        <p:grpSpPr>
+          <a:xfrm>
+            <a:off x="-1076330" y="5257800"/>
+            <a:ext cx="884583" cy="884583"/>
+            <a:chOff x="-1076330" y="5257800"/>
+            <a:chExt cx="884583" cy="884583"/>
+          </a:xfrm>
+        </p:grpSpPr>
+        <p:sp>
+          <p:nvSpPr>
+            <p:cNvPr id="36" name="Oval 35">
+              <a:extLst>
+                <a:ext uri="{FF2B5EF4-FFF2-40B4-BE49-F238E27FC236}">
+                  <a16:creationId xmlns:a16="http://schemas.microsoft.com/office/drawing/2014/main" id="{D095A03E-47F6-4DD5-9519-35EEA4D24281}"/>
+                </a:ext>
+              </a:extLst>
+            </p:cNvPr>
+            <p:cNvSpPr/>
+            <p:nvPr/>
+          </p:nvSpPr>
+          <p:spPr>
+            <a:xfrm>
+              <a:off x="-1076330" y="5257800"/>
+              <a:ext cx="884583" cy="884583"/>
+            </a:xfrm>
+            <a:prstGeom prst="ellipse">
+              <a:avLst/>
+            </a:prstGeom>
+            <a:solidFill>
+              <a:schemeClr val="bg1"/>
+            </a:solidFill>
+            <a:ln>
+              <a:solidFill>
+                <a:schemeClr val="bg1"/>
+              </a:solidFill>
+            </a:ln>
+          </p:spPr>
+          <p:style>
+            <a:lnRef idx="2">
+              <a:schemeClr val="accent1">
+                <a:shade val="50000"/>
+              </a:schemeClr>
+            </a:lnRef>
+            <a:fillRef idx="1">
+              <a:schemeClr val="accent1"/>
+            </a:fillRef>
+            <a:effectRef idx="0">
+              <a:schemeClr val="accent1"/>
+            </a:effectRef>
+            <a:fontRef idx="minor">
+              <a:schemeClr val="lt1"/>
+            </a:fontRef>
+          </p:style>
+          <p:txBody>
+            <a:bodyPr rtlCol="0" anchor="ctr"/>
+            <a:lstStyle/>
+            <a:p>
+              <a:pPr algn="ctr"/>
+              <a:endParaRPr lang="en-US"/>
+            </a:p>
+          </p:txBody>
+        </p:sp>
+        <p:pic>
+          <p:nvPicPr>
+            <p:cNvPr id="37" name="Graphic 36" descr="Stop with solid fill">
+              <a:extLst>
+                <a:ext uri="{FF2B5EF4-FFF2-40B4-BE49-F238E27FC236}">
+                  <a16:creationId xmlns:a16="http://schemas.microsoft.com/office/drawing/2014/main" id="{2AB1E648-ADFD-27D6-18A4-CEF57189DD3B}"/>
+                </a:ext>
+              </a:extLst>
+            </p:cNvPr>
+            <p:cNvPicPr>
+              <a:picLocks noChangeAspect="1"/>
+            </p:cNvPicPr>
+            <p:nvPr/>
+          </p:nvPicPr>
+          <p:blipFill>
+            <a:blip r:embed="rId9">
+              <a:extLst>
+                <a:ext uri="{28A0092B-C50C-407E-A947-70E740481C1C}">
+                  <a14:useLocalDpi xmlns:a14="http://schemas.microsoft.com/office/drawing/2010/main" val="0"/>
+                </a:ext>
+                <a:ext uri="{96DAC541-7B7A-43D3-8B79-37D633B846F1}">
+                  <asvg:svgBlip xmlns:asvg="http://schemas.microsoft.com/office/drawing/2016/SVG/main" r:embed="rId10"/>
+                </a:ext>
+              </a:extLst>
+            </a:blip>
+            <a:stretch>
+              <a:fillRect/>
+            </a:stretch>
+          </p:blipFill>
+          <p:spPr>
+            <a:xfrm>
+              <a:off x="-1020258" y="5313872"/>
+              <a:ext cx="772437" cy="772437"/>
+            </a:xfrm>
+            <a:prstGeom prst="rect">
+              <a:avLst/>
+            </a:prstGeom>
+          </p:spPr>
+        </p:pic>
+      </p:grpSp>
+      <p:grpSp>
+        <p:nvGrpSpPr>
+          <p:cNvPr id="38" name="Group 37">
+            <a:extLst>
+              <a:ext uri="{FF2B5EF4-FFF2-40B4-BE49-F238E27FC236}">
+                <a16:creationId xmlns:a16="http://schemas.microsoft.com/office/drawing/2014/main" id="{50E88D6E-8C16-C60E-148A-5FECDC73B07F}"/>
+              </a:ext>
+            </a:extLst>
+          </p:cNvPr>
+          <p:cNvGrpSpPr/>
+          <p:nvPr/>
+        </p:nvGrpSpPr>
+        <p:grpSpPr>
+          <a:xfrm>
+            <a:off x="826857" y="2986707"/>
+            <a:ext cx="884583" cy="884583"/>
+            <a:chOff x="-1041315" y="3159746"/>
+            <a:chExt cx="884583" cy="884583"/>
+          </a:xfrm>
+        </p:grpSpPr>
+        <p:sp>
+          <p:nvSpPr>
+            <p:cNvPr id="39" name="Oval 38">
+              <a:extLst>
+                <a:ext uri="{FF2B5EF4-FFF2-40B4-BE49-F238E27FC236}">
+                  <a16:creationId xmlns:a16="http://schemas.microsoft.com/office/drawing/2014/main" id="{EE507E24-3A26-8269-D824-341BE5B02D7A}"/>
+                </a:ext>
+              </a:extLst>
+            </p:cNvPr>
+            <p:cNvSpPr/>
+            <p:nvPr/>
+          </p:nvSpPr>
+          <p:spPr>
+            <a:xfrm>
+              <a:off x="-1041315" y="3159746"/>
+              <a:ext cx="884583" cy="884583"/>
+            </a:xfrm>
+            <a:prstGeom prst="ellipse">
+              <a:avLst/>
+            </a:prstGeom>
+            <a:solidFill>
+              <a:schemeClr val="bg1"/>
+            </a:solidFill>
+            <a:ln>
+              <a:solidFill>
+                <a:schemeClr val="bg1"/>
+              </a:solidFill>
+            </a:ln>
+          </p:spPr>
+          <p:style>
+            <a:lnRef idx="2">
+              <a:schemeClr val="accent1">
+                <a:shade val="50000"/>
+              </a:schemeClr>
+            </a:lnRef>
+            <a:fillRef idx="1">
+              <a:schemeClr val="accent1"/>
+            </a:fillRef>
+            <a:effectRef idx="0">
+              <a:schemeClr val="accent1"/>
+            </a:effectRef>
+            <a:fontRef idx="minor">
+              <a:schemeClr val="lt1"/>
+            </a:fontRef>
+          </p:style>
+          <p:txBody>
+            <a:bodyPr rtlCol="0" anchor="ctr"/>
+            <a:lstStyle/>
+            <a:p>
+              <a:pPr algn="ctr"/>
+              <a:endParaRPr lang="en-US"/>
+            </a:p>
+          </p:txBody>
+        </p:sp>
+        <p:pic>
+          <p:nvPicPr>
+            <p:cNvPr id="40" name="Graphic 39" descr="Computer with solid fill">
+              <a:hlinkClick r:id="rId11" action="ppaction://hlinksldjump"/>
+              <a:extLst>
+                <a:ext uri="{FF2B5EF4-FFF2-40B4-BE49-F238E27FC236}">
+                  <a16:creationId xmlns:a16="http://schemas.microsoft.com/office/drawing/2014/main" id="{650B9755-E16E-2728-AFAF-036A5784A778}"/>
+                </a:ext>
+              </a:extLst>
+            </p:cNvPr>
+            <p:cNvPicPr>
+              <a:picLocks noChangeAspect="1"/>
+            </p:cNvPicPr>
+            <p:nvPr/>
+          </p:nvPicPr>
+          <p:blipFill>
+            <a:blip r:embed="rId12">
+              <a:extLst>
+                <a:ext uri="{28A0092B-C50C-407E-A947-70E740481C1C}">
+                  <a14:useLocalDpi xmlns:a14="http://schemas.microsoft.com/office/drawing/2010/main" val="0"/>
+                </a:ext>
+                <a:ext uri="{96DAC541-7B7A-43D3-8B79-37D633B846F1}">
+                  <asvg:svgBlip xmlns:asvg="http://schemas.microsoft.com/office/drawing/2016/SVG/main" r:embed="rId13"/>
+                </a:ext>
+              </a:extLst>
+            </a:blip>
+            <a:stretch>
+              <a:fillRect/>
+            </a:stretch>
+          </p:blipFill>
+          <p:spPr>
+            <a:xfrm>
+              <a:off x="-982757" y="3215889"/>
+              <a:ext cx="772295" cy="772295"/>
+            </a:xfrm>
+            <a:prstGeom prst="rect">
+              <a:avLst/>
+            </a:prstGeom>
+          </p:spPr>
+        </p:pic>
+      </p:grpSp>
+      <p:grpSp>
+        <p:nvGrpSpPr>
+          <p:cNvPr id="41" name="Group 40">
+            <a:extLst>
+              <a:ext uri="{FF2B5EF4-FFF2-40B4-BE49-F238E27FC236}">
+                <a16:creationId xmlns:a16="http://schemas.microsoft.com/office/drawing/2014/main" id="{540ED8CB-C0A0-79DE-746C-758276989BDF}"/>
+              </a:ext>
+            </a:extLst>
+          </p:cNvPr>
+          <p:cNvGrpSpPr/>
+          <p:nvPr/>
+        </p:nvGrpSpPr>
+        <p:grpSpPr>
+          <a:xfrm>
+            <a:off x="-1045062" y="4178850"/>
+            <a:ext cx="884583" cy="910080"/>
+            <a:chOff x="-1045062" y="4178850"/>
+            <a:chExt cx="884583" cy="910080"/>
+          </a:xfrm>
+        </p:grpSpPr>
+        <p:sp>
+          <p:nvSpPr>
+            <p:cNvPr id="42" name="Oval 41">
+              <a:extLst>
+                <a:ext uri="{FF2B5EF4-FFF2-40B4-BE49-F238E27FC236}">
+                  <a16:creationId xmlns:a16="http://schemas.microsoft.com/office/drawing/2014/main" id="{5691B4AA-6F4A-A61F-EDE3-7E362E3A6B9C}"/>
+                </a:ext>
+              </a:extLst>
+            </p:cNvPr>
+            <p:cNvSpPr/>
+            <p:nvPr/>
+          </p:nvSpPr>
+          <p:spPr>
+            <a:xfrm>
+              <a:off x="-1045062" y="4204347"/>
+              <a:ext cx="884583" cy="884583"/>
+            </a:xfrm>
+            <a:prstGeom prst="ellipse">
+              <a:avLst/>
+            </a:prstGeom>
+            <a:solidFill>
+              <a:schemeClr val="bg1"/>
+            </a:solidFill>
+            <a:ln>
+              <a:solidFill>
+                <a:schemeClr val="bg1"/>
+              </a:solidFill>
+            </a:ln>
+          </p:spPr>
+          <p:style>
+            <a:lnRef idx="2">
+              <a:schemeClr val="accent1">
+                <a:shade val="50000"/>
+              </a:schemeClr>
+            </a:lnRef>
+            <a:fillRef idx="1">
+              <a:schemeClr val="accent1"/>
+            </a:fillRef>
+            <a:effectRef idx="0">
+              <a:schemeClr val="accent1"/>
+            </a:effectRef>
+            <a:fontRef idx="minor">
+              <a:schemeClr val="lt1"/>
+            </a:fontRef>
+          </p:style>
+          <p:txBody>
+            <a:bodyPr rtlCol="0" anchor="ctr"/>
+            <a:lstStyle/>
+            <a:p>
+              <a:pPr algn="ctr"/>
+              <a:endParaRPr lang="en-US"/>
+            </a:p>
+          </p:txBody>
+        </p:sp>
+        <p:pic>
+          <p:nvPicPr>
+            <p:cNvPr id="43" name="Graphic 42" descr="Programmer male with solid fill">
+              <a:extLst>
+                <a:ext uri="{FF2B5EF4-FFF2-40B4-BE49-F238E27FC236}">
+                  <a16:creationId xmlns:a16="http://schemas.microsoft.com/office/drawing/2014/main" id="{76124D09-B232-5A4E-0E7E-B8727F65DF56}"/>
+                </a:ext>
+              </a:extLst>
+            </p:cNvPr>
+            <p:cNvPicPr>
+              <a:picLocks noChangeAspect="1"/>
+            </p:cNvPicPr>
+            <p:nvPr/>
+          </p:nvPicPr>
+          <p:blipFill>
+            <a:blip r:embed="rId14">
+              <a:extLst>
+                <a:ext uri="{28A0092B-C50C-407E-A947-70E740481C1C}">
+                  <a14:useLocalDpi xmlns:a14="http://schemas.microsoft.com/office/drawing/2010/main" val="0"/>
+                </a:ext>
+                <a:ext uri="{96DAC541-7B7A-43D3-8B79-37D633B846F1}">
+                  <asvg:svgBlip xmlns:asvg="http://schemas.microsoft.com/office/drawing/2016/SVG/main" r:embed="rId15"/>
+                </a:ext>
+              </a:extLst>
+            </a:blip>
+            <a:stretch>
+              <a:fillRect/>
+            </a:stretch>
+          </p:blipFill>
+          <p:spPr>
+            <a:xfrm>
+              <a:off x="-997396" y="4178850"/>
+              <a:ext cx="805649" cy="805649"/>
+            </a:xfrm>
+            <a:prstGeom prst="rect">
+              <a:avLst/>
+            </a:prstGeom>
+          </p:spPr>
+        </p:pic>
+      </p:grpSp>
+      <p:pic>
+        <p:nvPicPr>
+          <p:cNvPr id="44" name="Graphic 43" descr="Users outline">
+            <a:hlinkClick r:id="rId16" action="ppaction://hlinksldjump"/>
+            <a:extLst>
+              <a:ext uri="{FF2B5EF4-FFF2-40B4-BE49-F238E27FC236}">
+                <a16:creationId xmlns:a16="http://schemas.microsoft.com/office/drawing/2014/main" id="{63AD30F8-7CFF-4199-B4B2-DA32E0A6C4CE}"/>
+              </a:ext>
+            </a:extLst>
+          </p:cNvPr>
+          <p:cNvPicPr>
+            <a:picLocks noChangeAspect="1"/>
+          </p:cNvPicPr>
+          <p:nvPr/>
+        </p:nvPicPr>
+        <p:blipFill>
+          <a:blip r:embed="rId17">
+            <a:extLst>
+              <a:ext uri="{28A0092B-C50C-407E-A947-70E740481C1C}">
+                <a14:useLocalDpi xmlns:a14="http://schemas.microsoft.com/office/drawing/2010/main" val="0"/>
+              </a:ext>
+              <a:ext uri="{96DAC541-7B7A-43D3-8B79-37D633B846F1}">
+                <asvg:svgBlip xmlns:asvg="http://schemas.microsoft.com/office/drawing/2016/SVG/main" r:embed="rId18"/>
+              </a:ext>
+            </a:extLst>
+          </a:blip>
+          <a:stretch>
+            <a:fillRect/>
+          </a:stretch>
+        </p:blipFill>
+        <p:spPr>
+          <a:xfrm>
+            <a:off x="152280" y="2013345"/>
+            <a:ext cx="914400" cy="914400"/>
+          </a:xfrm>
+          <a:prstGeom prst="rect">
+            <a:avLst/>
+          </a:prstGeom>
+        </p:spPr>
+      </p:pic>
+      <p:pic>
+        <p:nvPicPr>
+          <p:cNvPr id="45" name="Graphic 44" descr="Computer with solid fill">
+            <a:extLst>
+              <a:ext uri="{FF2B5EF4-FFF2-40B4-BE49-F238E27FC236}">
+                <a16:creationId xmlns:a16="http://schemas.microsoft.com/office/drawing/2014/main" id="{D7F7476D-7DB1-2406-B412-269F1EABF33F}"/>
+              </a:ext>
+            </a:extLst>
+          </p:cNvPr>
+          <p:cNvPicPr>
+            <a:picLocks noChangeAspect="1"/>
+          </p:cNvPicPr>
+          <p:nvPr/>
+        </p:nvPicPr>
+        <p:blipFill>
+          <a:blip r:embed="rId19">
+            <a:extLst>
+              <a:ext uri="{28A0092B-C50C-407E-A947-70E740481C1C}">
+                <a14:useLocalDpi xmlns:a14="http://schemas.microsoft.com/office/drawing/2010/main" val="0"/>
+              </a:ext>
+              <a:ext uri="{96DAC541-7B7A-43D3-8B79-37D633B846F1}">
+                <asvg:svgBlip xmlns:asvg="http://schemas.microsoft.com/office/drawing/2016/SVG/main" r:embed="rId20"/>
+              </a:ext>
+            </a:extLst>
+          </a:blip>
+          <a:stretch>
+            <a:fillRect/>
+          </a:stretch>
+        </p:blipFill>
+        <p:spPr>
+          <a:xfrm>
+            <a:off x="-968909" y="3185967"/>
+            <a:ext cx="772295" cy="772295"/>
+          </a:xfrm>
+          <a:prstGeom prst="rect">
+            <a:avLst/>
+          </a:prstGeom>
+        </p:spPr>
+      </p:pic>
+      <p:pic>
+        <p:nvPicPr>
+          <p:cNvPr id="46" name="Graphic 45" descr="Programmer male with solid fill">
+            <a:hlinkClick r:id="rId21" action="ppaction://hlinksldjump"/>
+            <a:extLst>
+              <a:ext uri="{FF2B5EF4-FFF2-40B4-BE49-F238E27FC236}">
+                <a16:creationId xmlns:a16="http://schemas.microsoft.com/office/drawing/2014/main" id="{FFC10720-56BE-4124-7E39-EEE50903B3E0}"/>
+              </a:ext>
+            </a:extLst>
+          </p:cNvPr>
+          <p:cNvPicPr>
+            <a:picLocks noChangeAspect="1"/>
+          </p:cNvPicPr>
+          <p:nvPr/>
+        </p:nvPicPr>
+        <p:blipFill>
+          <a:blip r:embed="rId22">
+            <a:extLst>
+              <a:ext uri="{28A0092B-C50C-407E-A947-70E740481C1C}">
+                <a14:useLocalDpi xmlns:a14="http://schemas.microsoft.com/office/drawing/2010/main" val="0"/>
+              </a:ext>
+              <a:ext uri="{96DAC541-7B7A-43D3-8B79-37D633B846F1}">
+                <asvg:svgBlip xmlns:asvg="http://schemas.microsoft.com/office/drawing/2016/SVG/main" r:embed="rId23"/>
+              </a:ext>
+            </a:extLst>
+          </a:blip>
+          <a:stretch>
+            <a:fillRect/>
+          </a:stretch>
+        </p:blipFill>
+        <p:spPr>
+          <a:xfrm>
+            <a:off x="187540" y="4204050"/>
+            <a:ext cx="805649" cy="805649"/>
+          </a:xfrm>
+          <a:prstGeom prst="rect">
+            <a:avLst/>
+          </a:prstGeom>
+        </p:spPr>
+      </p:pic>
+      <p:pic>
+        <p:nvPicPr>
+          <p:cNvPr id="47" name="Graphic 46" descr="Stop with solid fill">
+            <a:hlinkClick r:id="rId24" action="ppaction://hlinksldjump"/>
+            <a:extLst>
+              <a:ext uri="{FF2B5EF4-FFF2-40B4-BE49-F238E27FC236}">
+                <a16:creationId xmlns:a16="http://schemas.microsoft.com/office/drawing/2014/main" id="{EC82CEF6-1369-FC36-5D28-1979D6192DE0}"/>
+              </a:ext>
+            </a:extLst>
+          </p:cNvPr>
+          <p:cNvPicPr>
+            <a:picLocks noChangeAspect="1"/>
+          </p:cNvPicPr>
+          <p:nvPr/>
+        </p:nvPicPr>
+        <p:blipFill>
+          <a:blip r:embed="rId25">
+            <a:extLst>
+              <a:ext uri="{28A0092B-C50C-407E-A947-70E740481C1C}">
+                <a14:useLocalDpi xmlns:a14="http://schemas.microsoft.com/office/drawing/2010/main" val="0"/>
+              </a:ext>
+              <a:ext uri="{96DAC541-7B7A-43D3-8B79-37D633B846F1}">
+                <asvg:svgBlip xmlns:asvg="http://schemas.microsoft.com/office/drawing/2016/SVG/main" r:embed="rId26"/>
+              </a:ext>
+            </a:extLst>
+          </a:blip>
+          <a:stretch>
+            <a:fillRect/>
+          </a:stretch>
+        </p:blipFill>
+        <p:spPr>
+          <a:xfrm>
+            <a:off x="202788" y="5313872"/>
+            <a:ext cx="772437" cy="772437"/>
+          </a:xfrm>
+          <a:prstGeom prst="rect">
+            <a:avLst/>
+          </a:prstGeom>
+        </p:spPr>
+      </p:pic>
+      <p:pic>
+        <p:nvPicPr>
+          <p:cNvPr id="48" name="Graphic 47" descr="Play with solid fill">
+            <a:hlinkClick r:id="rId2" action="ppaction://hlinksldjump"/>
+            <a:extLst>
+              <a:ext uri="{FF2B5EF4-FFF2-40B4-BE49-F238E27FC236}">
+                <a16:creationId xmlns:a16="http://schemas.microsoft.com/office/drawing/2014/main" id="{9CECEFF2-05B5-1A38-6B38-44A308E9C365}"/>
+              </a:ext>
+            </a:extLst>
+          </p:cNvPr>
+          <p:cNvPicPr>
+            <a:picLocks noChangeAspect="1"/>
+          </p:cNvPicPr>
+          <p:nvPr/>
+        </p:nvPicPr>
+        <p:blipFill>
+          <a:blip r:embed="rId27">
+            <a:extLst>
+              <a:ext uri="{28A0092B-C50C-407E-A947-70E740481C1C}">
+                <a14:useLocalDpi xmlns:a14="http://schemas.microsoft.com/office/drawing/2010/main" val="0"/>
+              </a:ext>
+              <a:ext uri="{96DAC541-7B7A-43D3-8B79-37D633B846F1}">
+                <asvg:svgBlip xmlns:asvg="http://schemas.microsoft.com/office/drawing/2016/SVG/main" r:embed="rId28"/>
+              </a:ext>
+            </a:extLst>
+          </a:blip>
+          <a:stretch>
+            <a:fillRect/>
+          </a:stretch>
+        </p:blipFill>
+        <p:spPr>
+          <a:xfrm>
+            <a:off x="202445" y="944150"/>
+            <a:ext cx="772780" cy="765022"/>
+          </a:xfrm>
+          <a:prstGeom prst="rect">
+            <a:avLst/>
+          </a:prstGeom>
+        </p:spPr>
+      </p:pic>
+      <p:sp>
+        <p:nvSpPr>
+          <p:cNvPr id="53" name="TextBox 52">
+            <a:extLst>
+              <a:ext uri="{FF2B5EF4-FFF2-40B4-BE49-F238E27FC236}">
+                <a16:creationId xmlns:a16="http://schemas.microsoft.com/office/drawing/2014/main" id="{6C4EB593-9069-B760-33E7-5A21E769070A}"/>
+              </a:ext>
+            </a:extLst>
+          </p:cNvPr>
+          <p:cNvSpPr txBox="1"/>
+          <p:nvPr/>
+        </p:nvSpPr>
+        <p:spPr>
+          <a:xfrm>
+            <a:off x="7509409" y="747625"/>
+            <a:ext cx="3069539" cy="707886"/>
+          </a:xfrm>
+          <a:prstGeom prst="rect">
+            <a:avLst/>
+          </a:prstGeom>
+          <a:noFill/>
+        </p:spPr>
+        <p:txBody>
+          <a:bodyPr wrap="square" rtlCol="0">
+            <a:spAutoFit/>
+          </a:bodyPr>
+          <a:lstStyle/>
+          <a:p>
+            <a:r>
+              <a:rPr lang="bg-BG" sz="4000" dirty="0">
+                <a:solidFill>
+                  <a:srgbClr val="4A4947"/>
+                </a:solidFill>
+                <a:latin typeface="Helvetica" panose="020B0604020202020204" pitchFamily="34" charset="0"/>
+                <a:cs typeface="Helvetica" panose="020B0604020202020204" pitchFamily="34" charset="0"/>
+              </a:rPr>
+              <a:t>Проблемът!</a:t>
+            </a:r>
+            <a:endParaRPr lang="en-US" sz="4000" dirty="0">
+              <a:solidFill>
+                <a:srgbClr val="4A4947"/>
+              </a:solidFill>
+              <a:latin typeface="Helvetica" panose="020B0604020202020204" pitchFamily="34" charset="0"/>
+              <a:cs typeface="Helvetica" panose="020B0604020202020204" pitchFamily="34" charset="0"/>
+            </a:endParaRPr>
+          </a:p>
+        </p:txBody>
+      </p:sp>
+      <p:pic>
+        <p:nvPicPr>
+          <p:cNvPr id="2" name="Picture 1">
+            <a:extLst>
+              <a:ext uri="{FF2B5EF4-FFF2-40B4-BE49-F238E27FC236}">
+                <a16:creationId xmlns:a16="http://schemas.microsoft.com/office/drawing/2014/main" id="{D5B9484B-3AB9-23CF-55A2-9AC482D1EF3A}"/>
+              </a:ext>
+            </a:extLst>
+          </p:cNvPr>
+          <p:cNvPicPr>
+            <a:picLocks noChangeAspect="1"/>
+          </p:cNvPicPr>
+          <p:nvPr/>
+        </p:nvPicPr>
+        <p:blipFill>
+          <a:blip r:embed="rId29"/>
+          <a:stretch>
+            <a:fillRect/>
+          </a:stretch>
+        </p:blipFill>
+        <p:spPr>
+          <a:xfrm>
+            <a:off x="12439904" y="-1456510"/>
+            <a:ext cx="2364176" cy="3244455"/>
+          </a:xfrm>
+          <a:prstGeom prst="rect">
+            <a:avLst/>
+          </a:prstGeom>
+        </p:spPr>
+      </p:pic>
+      <p:pic>
+        <p:nvPicPr>
+          <p:cNvPr id="5" name="Picture 4" descr="A map with many small objects&#10;&#10;Description automatically generated with medium confidence">
+            <a:extLst>
+              <a:ext uri="{FF2B5EF4-FFF2-40B4-BE49-F238E27FC236}">
+                <a16:creationId xmlns:a16="http://schemas.microsoft.com/office/drawing/2014/main" id="{B0AA1D7D-B2F8-FCFB-BF7D-72FE62C21344}"/>
+              </a:ext>
+            </a:extLst>
+          </p:cNvPr>
+          <p:cNvPicPr>
+            <a:picLocks noChangeAspect="1"/>
+          </p:cNvPicPr>
+          <p:nvPr/>
+        </p:nvPicPr>
+        <p:blipFill>
+          <a:blip r:embed="rId30">
+            <a:extLst>
+              <a:ext uri="{28A0092B-C50C-407E-A947-70E740481C1C}">
+                <a14:useLocalDpi xmlns:a14="http://schemas.microsoft.com/office/drawing/2010/main" val="0"/>
+              </a:ext>
+            </a:extLst>
+          </a:blip>
+          <a:stretch>
+            <a:fillRect/>
+          </a:stretch>
+        </p:blipFill>
+        <p:spPr>
+          <a:xfrm>
+            <a:off x="2670371" y="1835353"/>
+            <a:ext cx="7772400" cy="4071873"/>
+          </a:xfrm>
+          <a:prstGeom prst="rect">
+            <a:avLst/>
+          </a:prstGeom>
+        </p:spPr>
+      </p:pic>
+    </p:spTree>
+    <p:extLst>
+      <p:ext uri="{BB962C8B-B14F-4D97-AF65-F5344CB8AC3E}">
+        <p14:creationId xmlns:p14="http://schemas.microsoft.com/office/powerpoint/2010/main" val="1440178242"/>
+      </p:ext>
+    </p:extLst>
+  </p:cSld>
+  <p:clrMapOvr>
+    <a:masterClrMapping/>
+  </p:clrMapOvr>
+  <mc:AlternateContent xmlns:mc="http://schemas.openxmlformats.org/markup-compatibility/2006">
+    <mc:Choice xmlns:p159="http://schemas.microsoft.com/office/powerpoint/2015/09/main" Requires="p159">
+      <p:transition xmlns:p14="http://schemas.microsoft.com/office/powerpoint/2010/main" spd="slow" p14:dur="2000">
+        <p159:morph option="byObject"/>
+      </p:transition>
+    </mc:Choice>
+    <mc:Fallback>
+      <p:transition spd="slow">
+        <p:fade/>
+      </p:transition>
+    </mc:Fallback>
+  </mc:AlternateContent>
+</p:sld>
+</file>
+
+<file path=ppt/slides/slide4.xml><?xml version="1.0" encoding="utf-8"?>
+<p:sld xmlns:a="http://schemas.openxmlformats.org/drawingml/2006/main" xmlns:r="http://schemas.openxmlformats.org/officeDocument/2006/relationships" xmlns:p="http://schemas.openxmlformats.org/presentationml/2006/main">
+  <p:cSld>
+    <p:bg>
+      <p:bgPr>
+        <a:solidFill>
+          <a:srgbClr val="D8D2C3"/>
+        </a:solidFill>
+        <a:effectLst/>
+      </p:bgPr>
+    </p:bg>
+    <p:spTree>
+      <p:nvGrpSpPr>
+        <p:cNvPr id="1" name=""/>
+        <p:cNvGrpSpPr/>
+        <p:nvPr/>
+      </p:nvGrpSpPr>
+      <p:grpSpPr>
+        <a:xfrm>
+          <a:off x="0" y="0"/>
+          <a:ext cx="0" cy="0"/>
+          <a:chOff x="0" y="0"/>
+          <a:chExt cx="0" cy="0"/>
+        </a:xfrm>
+      </p:grpSpPr>
+      <p:sp>
+        <p:nvSpPr>
+          <p:cNvPr id="3" name="Freeform: Shape 2">
+            <a:extLst>
+              <a:ext uri="{FF2B5EF4-FFF2-40B4-BE49-F238E27FC236}">
+                <a16:creationId xmlns:a16="http://schemas.microsoft.com/office/drawing/2014/main" id="{E49DC0FA-9113-8D04-BD2B-A5DE50506343}"/>
+              </a:ext>
+            </a:extLst>
+          </p:cNvPr>
+          <p:cNvSpPr/>
+          <p:nvPr/>
+        </p:nvSpPr>
+        <p:spPr>
+          <a:xfrm rot="5400000" flipV="1">
+            <a:off x="-6625222" y="2826998"/>
+            <a:ext cx="14439899" cy="1215958"/>
+          </a:xfrm>
+          <a:custGeom>
+            <a:avLst/>
+            <a:gdLst>
+              <a:gd name="connsiteX0" fmla="*/ 0 w 14439899"/>
+              <a:gd name="connsiteY0" fmla="*/ 1215958 h 1215958"/>
+              <a:gd name="connsiteX1" fmla="*/ 6463406 w 14439899"/>
+              <a:gd name="connsiteY1" fmla="*/ 1215958 h 1215958"/>
+              <a:gd name="connsiteX2" fmla="*/ 7206356 w 14439899"/>
+              <a:gd name="connsiteY2" fmla="*/ 549768 h 1215958"/>
+              <a:gd name="connsiteX3" fmla="*/ 7949305 w 14439899"/>
+              <a:gd name="connsiteY3" fmla="*/ 1215958 h 1215958"/>
+              <a:gd name="connsiteX4" fmla="*/ 14439899 w 14439899"/>
+              <a:gd name="connsiteY4" fmla="*/ 1215958 h 1215958"/>
+              <a:gd name="connsiteX5" fmla="*/ 14439899 w 14439899"/>
+              <a:gd name="connsiteY5" fmla="*/ 0 h 1215958"/>
+              <a:gd name="connsiteX6" fmla="*/ 0 w 14439899"/>
+              <a:gd name="connsiteY6" fmla="*/ 0 h 1215958"/>
+              <a:gd name="connsiteX7" fmla="*/ 6463405 w 14439899"/>
+              <a:gd name="connsiteY7" fmla="*/ 1215958 h 1215958"/>
+              <a:gd name="connsiteX8" fmla="*/ 7949305 w 14439899"/>
+              <a:gd name="connsiteY8" fmla="*/ 1215958 h 1215958"/>
+              <a:gd name="connsiteX9" fmla="*/ 7949305 w 14439899"/>
+              <a:gd name="connsiteY9" fmla="*/ 1215958 h 1215958"/>
+              <a:gd name="connsiteX10" fmla="*/ 6463406 w 14439899"/>
+              <a:gd name="connsiteY10" fmla="*/ 1215958 h 1215958"/>
+              <a:gd name="connsiteX0" fmla="*/ 0 w 14439899"/>
+              <a:gd name="connsiteY0" fmla="*/ 1215958 h 1215958"/>
+              <a:gd name="connsiteX1" fmla="*/ 6463406 w 14439899"/>
+              <a:gd name="connsiteY1" fmla="*/ 1215958 h 1215958"/>
+              <a:gd name="connsiteX2" fmla="*/ 7206356 w 14439899"/>
+              <a:gd name="connsiteY2" fmla="*/ 549768 h 1215958"/>
+              <a:gd name="connsiteX3" fmla="*/ 7949305 w 14439899"/>
+              <a:gd name="connsiteY3" fmla="*/ 1215958 h 1215958"/>
+              <a:gd name="connsiteX4" fmla="*/ 14439899 w 14439899"/>
+              <a:gd name="connsiteY4" fmla="*/ 1215958 h 1215958"/>
+              <a:gd name="connsiteX5" fmla="*/ 14439899 w 14439899"/>
+              <a:gd name="connsiteY5" fmla="*/ 0 h 1215958"/>
+              <a:gd name="connsiteX6" fmla="*/ 0 w 14439899"/>
+              <a:gd name="connsiteY6" fmla="*/ 0 h 1215958"/>
+              <a:gd name="connsiteX7" fmla="*/ 0 w 14439899"/>
+              <a:gd name="connsiteY7" fmla="*/ 1215958 h 1215958"/>
+              <a:gd name="connsiteX8" fmla="*/ 6463405 w 14439899"/>
+              <a:gd name="connsiteY8" fmla="*/ 1215958 h 1215958"/>
+              <a:gd name="connsiteX9" fmla="*/ 7949305 w 14439899"/>
+              <a:gd name="connsiteY9" fmla="*/ 1215958 h 1215958"/>
+              <a:gd name="connsiteX10" fmla="*/ 7949305 w 14439899"/>
+              <a:gd name="connsiteY10" fmla="*/ 1215958 h 1215958"/>
+              <a:gd name="connsiteX11" fmla="*/ 6463406 w 14439899"/>
+              <a:gd name="connsiteY11" fmla="*/ 1215958 h 1215958"/>
+              <a:gd name="connsiteX12" fmla="*/ 6463405 w 14439899"/>
+              <a:gd name="connsiteY12" fmla="*/ 1215958 h 1215958"/>
+              <a:gd name="connsiteX0" fmla="*/ 0 w 14439899"/>
+              <a:gd name="connsiteY0" fmla="*/ 1215958 h 1215958"/>
+              <a:gd name="connsiteX1" fmla="*/ 6463406 w 14439899"/>
+              <a:gd name="connsiteY1" fmla="*/ 1215958 h 1215958"/>
+              <a:gd name="connsiteX2" fmla="*/ 7225406 w 14439899"/>
+              <a:gd name="connsiteY2" fmla="*/ 552149 h 1215958"/>
+              <a:gd name="connsiteX3" fmla="*/ 7949305 w 14439899"/>
+              <a:gd name="connsiteY3" fmla="*/ 1215958 h 1215958"/>
+              <a:gd name="connsiteX4" fmla="*/ 14439899 w 14439899"/>
+              <a:gd name="connsiteY4" fmla="*/ 1215958 h 1215958"/>
+              <a:gd name="connsiteX5" fmla="*/ 14439899 w 14439899"/>
+              <a:gd name="connsiteY5" fmla="*/ 0 h 1215958"/>
+              <a:gd name="connsiteX6" fmla="*/ 0 w 14439899"/>
+              <a:gd name="connsiteY6" fmla="*/ 0 h 1215958"/>
+              <a:gd name="connsiteX7" fmla="*/ 0 w 14439899"/>
+              <a:gd name="connsiteY7" fmla="*/ 1215958 h 1215958"/>
+              <a:gd name="connsiteX8" fmla="*/ 6463405 w 14439899"/>
+              <a:gd name="connsiteY8" fmla="*/ 1215958 h 1215958"/>
+              <a:gd name="connsiteX9" fmla="*/ 7949305 w 14439899"/>
+              <a:gd name="connsiteY9" fmla="*/ 1215958 h 1215958"/>
+              <a:gd name="connsiteX10" fmla="*/ 7949305 w 14439899"/>
+              <a:gd name="connsiteY10" fmla="*/ 1215958 h 1215958"/>
+              <a:gd name="connsiteX11" fmla="*/ 6463406 w 14439899"/>
+              <a:gd name="connsiteY11" fmla="*/ 1215958 h 1215958"/>
+              <a:gd name="connsiteX12" fmla="*/ 6463405 w 14439899"/>
+              <a:gd name="connsiteY12" fmla="*/ 1215958 h 1215958"/>
+              <a:gd name="connsiteX0" fmla="*/ 0 w 14439899"/>
+              <a:gd name="connsiteY0" fmla="*/ 1215958 h 1215958"/>
+              <a:gd name="connsiteX1" fmla="*/ 6463406 w 14439899"/>
+              <a:gd name="connsiteY1" fmla="*/ 1215958 h 1215958"/>
+              <a:gd name="connsiteX2" fmla="*/ 7223025 w 14439899"/>
+              <a:gd name="connsiteY2" fmla="*/ 552149 h 1215958"/>
+              <a:gd name="connsiteX3" fmla="*/ 7949305 w 14439899"/>
+              <a:gd name="connsiteY3" fmla="*/ 1215958 h 1215958"/>
+              <a:gd name="connsiteX4" fmla="*/ 14439899 w 14439899"/>
+              <a:gd name="connsiteY4" fmla="*/ 1215958 h 1215958"/>
+              <a:gd name="connsiteX5" fmla="*/ 14439899 w 14439899"/>
+              <a:gd name="connsiteY5" fmla="*/ 0 h 1215958"/>
+              <a:gd name="connsiteX6" fmla="*/ 0 w 14439899"/>
+              <a:gd name="connsiteY6" fmla="*/ 0 h 1215958"/>
+              <a:gd name="connsiteX7" fmla="*/ 0 w 14439899"/>
+              <a:gd name="connsiteY7" fmla="*/ 1215958 h 1215958"/>
+              <a:gd name="connsiteX8" fmla="*/ 6463405 w 14439899"/>
+              <a:gd name="connsiteY8" fmla="*/ 1215958 h 1215958"/>
+              <a:gd name="connsiteX9" fmla="*/ 7949305 w 14439899"/>
+              <a:gd name="connsiteY9" fmla="*/ 1215958 h 1215958"/>
+              <a:gd name="connsiteX10" fmla="*/ 7949305 w 14439899"/>
+              <a:gd name="connsiteY10" fmla="*/ 1215958 h 1215958"/>
+              <a:gd name="connsiteX11" fmla="*/ 6463406 w 14439899"/>
+              <a:gd name="connsiteY11" fmla="*/ 1215958 h 1215958"/>
+              <a:gd name="connsiteX12" fmla="*/ 6463405 w 14439899"/>
+              <a:gd name="connsiteY12" fmla="*/ 1215958 h 1215958"/>
+              <a:gd name="connsiteX0" fmla="*/ 0 w 14439899"/>
+              <a:gd name="connsiteY0" fmla="*/ 1215958 h 1215958"/>
+              <a:gd name="connsiteX1" fmla="*/ 6463406 w 14439899"/>
+              <a:gd name="connsiteY1" fmla="*/ 1215958 h 1215958"/>
+              <a:gd name="connsiteX2" fmla="*/ 7220643 w 14439899"/>
+              <a:gd name="connsiteY2" fmla="*/ 552149 h 1215958"/>
+              <a:gd name="connsiteX3" fmla="*/ 7949305 w 14439899"/>
+              <a:gd name="connsiteY3" fmla="*/ 1215958 h 1215958"/>
+              <a:gd name="connsiteX4" fmla="*/ 14439899 w 14439899"/>
+              <a:gd name="connsiteY4" fmla="*/ 1215958 h 1215958"/>
+              <a:gd name="connsiteX5" fmla="*/ 14439899 w 14439899"/>
+              <a:gd name="connsiteY5" fmla="*/ 0 h 1215958"/>
+              <a:gd name="connsiteX6" fmla="*/ 0 w 14439899"/>
+              <a:gd name="connsiteY6" fmla="*/ 0 h 1215958"/>
+              <a:gd name="connsiteX7" fmla="*/ 0 w 14439899"/>
+              <a:gd name="connsiteY7" fmla="*/ 1215958 h 1215958"/>
+              <a:gd name="connsiteX8" fmla="*/ 6463405 w 14439899"/>
+              <a:gd name="connsiteY8" fmla="*/ 1215958 h 1215958"/>
+              <a:gd name="connsiteX9" fmla="*/ 7949305 w 14439899"/>
+              <a:gd name="connsiteY9" fmla="*/ 1215958 h 1215958"/>
+              <a:gd name="connsiteX10" fmla="*/ 7949305 w 14439899"/>
+              <a:gd name="connsiteY10" fmla="*/ 1215958 h 1215958"/>
+              <a:gd name="connsiteX11" fmla="*/ 6463406 w 14439899"/>
+              <a:gd name="connsiteY11" fmla="*/ 1215958 h 1215958"/>
+              <a:gd name="connsiteX12" fmla="*/ 6463405 w 14439899"/>
+              <a:gd name="connsiteY12" fmla="*/ 1215958 h 1215958"/>
+              <a:gd name="connsiteX0" fmla="*/ 0 w 14439899"/>
+              <a:gd name="connsiteY0" fmla="*/ 1215958 h 1215958"/>
+              <a:gd name="connsiteX1" fmla="*/ 6463406 w 14439899"/>
+              <a:gd name="connsiteY1" fmla="*/ 1215958 h 1215958"/>
+              <a:gd name="connsiteX2" fmla="*/ 7220643 w 14439899"/>
+              <a:gd name="connsiteY2" fmla="*/ 552149 h 1215958"/>
+              <a:gd name="connsiteX3" fmla="*/ 7949305 w 14439899"/>
+              <a:gd name="connsiteY3" fmla="*/ 1215958 h 1215958"/>
+              <a:gd name="connsiteX4" fmla="*/ 14439899 w 14439899"/>
+              <a:gd name="connsiteY4" fmla="*/ 1215958 h 1215958"/>
+              <a:gd name="connsiteX5" fmla="*/ 14439899 w 14439899"/>
+              <a:gd name="connsiteY5" fmla="*/ 0 h 1215958"/>
+              <a:gd name="connsiteX6" fmla="*/ 0 w 14439899"/>
+              <a:gd name="connsiteY6" fmla="*/ 0 h 1215958"/>
+              <a:gd name="connsiteX7" fmla="*/ 0 w 14439899"/>
+              <a:gd name="connsiteY7" fmla="*/ 1215958 h 1215958"/>
+              <a:gd name="connsiteX8" fmla="*/ 6463405 w 14439899"/>
+              <a:gd name="connsiteY8" fmla="*/ 1215958 h 1215958"/>
+              <a:gd name="connsiteX9" fmla="*/ 7949305 w 14439899"/>
+              <a:gd name="connsiteY9" fmla="*/ 1215958 h 1215958"/>
+              <a:gd name="connsiteX10" fmla="*/ 7949305 w 14439899"/>
+              <a:gd name="connsiteY10" fmla="*/ 1215958 h 1215958"/>
+              <a:gd name="connsiteX11" fmla="*/ 6463406 w 14439899"/>
+              <a:gd name="connsiteY11" fmla="*/ 1215958 h 1215958"/>
+              <a:gd name="connsiteX12" fmla="*/ 6463405 w 14439899"/>
+              <a:gd name="connsiteY12" fmla="*/ 1215958 h 1215958"/>
+              <a:gd name="connsiteX0" fmla="*/ 0 w 14439899"/>
+              <a:gd name="connsiteY0" fmla="*/ 1215958 h 1215958"/>
+              <a:gd name="connsiteX1" fmla="*/ 6463406 w 14439899"/>
+              <a:gd name="connsiteY1" fmla="*/ 1215958 h 1215958"/>
+              <a:gd name="connsiteX2" fmla="*/ 7220643 w 14439899"/>
+              <a:gd name="connsiteY2" fmla="*/ 552149 h 1215958"/>
+              <a:gd name="connsiteX3" fmla="*/ 7949305 w 14439899"/>
+              <a:gd name="connsiteY3" fmla="*/ 1215958 h 1215958"/>
+              <a:gd name="connsiteX4" fmla="*/ 14439899 w 14439899"/>
+              <a:gd name="connsiteY4" fmla="*/ 1215958 h 1215958"/>
+              <a:gd name="connsiteX5" fmla="*/ 14439899 w 14439899"/>
+              <a:gd name="connsiteY5" fmla="*/ 0 h 1215958"/>
+              <a:gd name="connsiteX6" fmla="*/ 0 w 14439899"/>
+              <a:gd name="connsiteY6" fmla="*/ 0 h 1215958"/>
+              <a:gd name="connsiteX7" fmla="*/ 0 w 14439899"/>
+              <a:gd name="connsiteY7" fmla="*/ 1215958 h 1215958"/>
+              <a:gd name="connsiteX8" fmla="*/ 6463405 w 14439899"/>
+              <a:gd name="connsiteY8" fmla="*/ 1215958 h 1215958"/>
+              <a:gd name="connsiteX9" fmla="*/ 7949305 w 14439899"/>
+              <a:gd name="connsiteY9" fmla="*/ 1215958 h 1215958"/>
+              <a:gd name="connsiteX10" fmla="*/ 7949305 w 14439899"/>
+              <a:gd name="connsiteY10" fmla="*/ 1215958 h 1215958"/>
+              <a:gd name="connsiteX11" fmla="*/ 6463406 w 14439899"/>
+              <a:gd name="connsiteY11" fmla="*/ 1215958 h 1215958"/>
+              <a:gd name="connsiteX12" fmla="*/ 6463405 w 14439899"/>
+              <a:gd name="connsiteY12" fmla="*/ 1215958 h 1215958"/>
+              <a:gd name="connsiteX0" fmla="*/ 0 w 14439899"/>
+              <a:gd name="connsiteY0" fmla="*/ 1215958 h 1215958"/>
+              <a:gd name="connsiteX1" fmla="*/ 6463406 w 14439899"/>
+              <a:gd name="connsiteY1" fmla="*/ 1215958 h 1215958"/>
+              <a:gd name="connsiteX2" fmla="*/ 7220643 w 14439899"/>
+              <a:gd name="connsiteY2" fmla="*/ 552149 h 1215958"/>
+              <a:gd name="connsiteX3" fmla="*/ 7949305 w 14439899"/>
+              <a:gd name="connsiteY3" fmla="*/ 1215958 h 1215958"/>
+              <a:gd name="connsiteX4" fmla="*/ 14439899 w 14439899"/>
+              <a:gd name="connsiteY4" fmla="*/ 1215958 h 1215958"/>
+              <a:gd name="connsiteX5" fmla="*/ 14439899 w 14439899"/>
+              <a:gd name="connsiteY5" fmla="*/ 0 h 1215958"/>
+              <a:gd name="connsiteX6" fmla="*/ 0 w 14439899"/>
+              <a:gd name="connsiteY6" fmla="*/ 0 h 1215958"/>
+              <a:gd name="connsiteX7" fmla="*/ 0 w 14439899"/>
+              <a:gd name="connsiteY7" fmla="*/ 1215958 h 1215958"/>
+              <a:gd name="connsiteX8" fmla="*/ 6463405 w 14439899"/>
+              <a:gd name="connsiteY8" fmla="*/ 1215958 h 1215958"/>
+              <a:gd name="connsiteX9" fmla="*/ 7949305 w 14439899"/>
+              <a:gd name="connsiteY9" fmla="*/ 1215958 h 1215958"/>
+              <a:gd name="connsiteX10" fmla="*/ 7949305 w 14439899"/>
+              <a:gd name="connsiteY10" fmla="*/ 1215958 h 1215958"/>
+              <a:gd name="connsiteX11" fmla="*/ 6463406 w 14439899"/>
+              <a:gd name="connsiteY11" fmla="*/ 1215958 h 1215958"/>
+              <a:gd name="connsiteX12" fmla="*/ 6463405 w 14439899"/>
+              <a:gd name="connsiteY12" fmla="*/ 1215958 h 1215958"/>
+              <a:gd name="connsiteX0" fmla="*/ 0 w 14439899"/>
+              <a:gd name="connsiteY0" fmla="*/ 1215958 h 1215958"/>
+              <a:gd name="connsiteX1" fmla="*/ 6463406 w 14439899"/>
+              <a:gd name="connsiteY1" fmla="*/ 1215958 h 1215958"/>
+              <a:gd name="connsiteX2" fmla="*/ 7220643 w 14439899"/>
+              <a:gd name="connsiteY2" fmla="*/ 552149 h 1215958"/>
+              <a:gd name="connsiteX3" fmla="*/ 7949305 w 14439899"/>
+              <a:gd name="connsiteY3" fmla="*/ 1215958 h 1215958"/>
+              <a:gd name="connsiteX4" fmla="*/ 14439899 w 14439899"/>
+              <a:gd name="connsiteY4" fmla="*/ 1215958 h 1215958"/>
+              <a:gd name="connsiteX5" fmla="*/ 14439899 w 14439899"/>
+              <a:gd name="connsiteY5" fmla="*/ 0 h 1215958"/>
+              <a:gd name="connsiteX6" fmla="*/ 0 w 14439899"/>
+              <a:gd name="connsiteY6" fmla="*/ 0 h 1215958"/>
+              <a:gd name="connsiteX7" fmla="*/ 0 w 14439899"/>
+              <a:gd name="connsiteY7" fmla="*/ 1215958 h 1215958"/>
+              <a:gd name="connsiteX8" fmla="*/ 6463405 w 14439899"/>
+              <a:gd name="connsiteY8" fmla="*/ 1215958 h 1215958"/>
+              <a:gd name="connsiteX9" fmla="*/ 7949305 w 14439899"/>
+              <a:gd name="connsiteY9" fmla="*/ 1215958 h 1215958"/>
+              <a:gd name="connsiteX10" fmla="*/ 7949305 w 14439899"/>
+              <a:gd name="connsiteY10" fmla="*/ 1215958 h 1215958"/>
+              <a:gd name="connsiteX11" fmla="*/ 6463406 w 14439899"/>
+              <a:gd name="connsiteY11" fmla="*/ 1215958 h 1215958"/>
+              <a:gd name="connsiteX12" fmla="*/ 6463405 w 14439899"/>
+              <a:gd name="connsiteY12" fmla="*/ 1215958 h 1215958"/>
+              <a:gd name="connsiteX0" fmla="*/ 0 w 14439899"/>
+              <a:gd name="connsiteY0" fmla="*/ 1215958 h 1215958"/>
+              <a:gd name="connsiteX1" fmla="*/ 6463406 w 14439899"/>
+              <a:gd name="connsiteY1" fmla="*/ 1215958 h 1215958"/>
+              <a:gd name="connsiteX2" fmla="*/ 7220643 w 14439899"/>
+              <a:gd name="connsiteY2" fmla="*/ 552149 h 1215958"/>
+              <a:gd name="connsiteX3" fmla="*/ 7949305 w 14439899"/>
+              <a:gd name="connsiteY3" fmla="*/ 1215958 h 1215958"/>
+              <a:gd name="connsiteX4" fmla="*/ 14439899 w 14439899"/>
+              <a:gd name="connsiteY4" fmla="*/ 1215958 h 1215958"/>
+              <a:gd name="connsiteX5" fmla="*/ 14439899 w 14439899"/>
+              <a:gd name="connsiteY5" fmla="*/ 0 h 1215958"/>
+              <a:gd name="connsiteX6" fmla="*/ 0 w 14439899"/>
+              <a:gd name="connsiteY6" fmla="*/ 0 h 1215958"/>
+              <a:gd name="connsiteX7" fmla="*/ 0 w 14439899"/>
+              <a:gd name="connsiteY7" fmla="*/ 1215958 h 1215958"/>
+              <a:gd name="connsiteX8" fmla="*/ 6463405 w 14439899"/>
+              <a:gd name="connsiteY8" fmla="*/ 1215958 h 1215958"/>
+              <a:gd name="connsiteX9" fmla="*/ 7949305 w 14439899"/>
+              <a:gd name="connsiteY9" fmla="*/ 1215958 h 1215958"/>
+              <a:gd name="connsiteX10" fmla="*/ 7949305 w 14439899"/>
+              <a:gd name="connsiteY10" fmla="*/ 1215958 h 1215958"/>
+              <a:gd name="connsiteX11" fmla="*/ 6463406 w 14439899"/>
+              <a:gd name="connsiteY11" fmla="*/ 1215958 h 1215958"/>
+              <a:gd name="connsiteX12" fmla="*/ 6463405 w 14439899"/>
+              <a:gd name="connsiteY12" fmla="*/ 1215958 h 1215958"/>
+              <a:gd name="connsiteX0" fmla="*/ 0 w 14439899"/>
+              <a:gd name="connsiteY0" fmla="*/ 1215958 h 1218339"/>
+              <a:gd name="connsiteX1" fmla="*/ 6463406 w 14439899"/>
+              <a:gd name="connsiteY1" fmla="*/ 1215958 h 1218339"/>
+              <a:gd name="connsiteX2" fmla="*/ 7220643 w 14439899"/>
+              <a:gd name="connsiteY2" fmla="*/ 552149 h 1218339"/>
+              <a:gd name="connsiteX3" fmla="*/ 7949305 w 14439899"/>
+              <a:gd name="connsiteY3" fmla="*/ 1215958 h 1218339"/>
+              <a:gd name="connsiteX4" fmla="*/ 14439899 w 14439899"/>
+              <a:gd name="connsiteY4" fmla="*/ 1215958 h 1218339"/>
+              <a:gd name="connsiteX5" fmla="*/ 14439899 w 14439899"/>
+              <a:gd name="connsiteY5" fmla="*/ 0 h 1218339"/>
+              <a:gd name="connsiteX6" fmla="*/ 0 w 14439899"/>
+              <a:gd name="connsiteY6" fmla="*/ 0 h 1218339"/>
+              <a:gd name="connsiteX7" fmla="*/ 0 w 14439899"/>
+              <a:gd name="connsiteY7" fmla="*/ 1215958 h 1218339"/>
+              <a:gd name="connsiteX8" fmla="*/ 7068243 w 14439899"/>
+              <a:gd name="connsiteY8" fmla="*/ 1218339 h 1218339"/>
+              <a:gd name="connsiteX9" fmla="*/ 7949305 w 14439899"/>
+              <a:gd name="connsiteY9" fmla="*/ 1215958 h 1218339"/>
+              <a:gd name="connsiteX10" fmla="*/ 7949305 w 14439899"/>
+              <a:gd name="connsiteY10" fmla="*/ 1215958 h 1218339"/>
+              <a:gd name="connsiteX11" fmla="*/ 6463406 w 14439899"/>
+              <a:gd name="connsiteY11" fmla="*/ 1215958 h 1218339"/>
+              <a:gd name="connsiteX12" fmla="*/ 7068243 w 14439899"/>
+              <a:gd name="connsiteY12" fmla="*/ 1218339 h 1218339"/>
+              <a:gd name="connsiteX0" fmla="*/ 0 w 14439899"/>
+              <a:gd name="connsiteY0" fmla="*/ 1215958 h 1215958"/>
+              <a:gd name="connsiteX1" fmla="*/ 6463406 w 14439899"/>
+              <a:gd name="connsiteY1" fmla="*/ 1215958 h 1215958"/>
+              <a:gd name="connsiteX2" fmla="*/ 7220643 w 14439899"/>
+              <a:gd name="connsiteY2" fmla="*/ 552149 h 1215958"/>
+              <a:gd name="connsiteX3" fmla="*/ 7949305 w 14439899"/>
+              <a:gd name="connsiteY3" fmla="*/ 1215958 h 1215958"/>
+              <a:gd name="connsiteX4" fmla="*/ 14439899 w 14439899"/>
+              <a:gd name="connsiteY4" fmla="*/ 1215958 h 1215958"/>
+              <a:gd name="connsiteX5" fmla="*/ 14439899 w 14439899"/>
+              <a:gd name="connsiteY5" fmla="*/ 0 h 1215958"/>
+              <a:gd name="connsiteX6" fmla="*/ 0 w 14439899"/>
+              <a:gd name="connsiteY6" fmla="*/ 0 h 1215958"/>
+              <a:gd name="connsiteX7" fmla="*/ 0 w 14439899"/>
+              <a:gd name="connsiteY7" fmla="*/ 1215958 h 1215958"/>
+              <a:gd name="connsiteX8" fmla="*/ 7070625 w 14439899"/>
+              <a:gd name="connsiteY8" fmla="*/ 1020695 h 1215958"/>
+              <a:gd name="connsiteX9" fmla="*/ 7949305 w 14439899"/>
+              <a:gd name="connsiteY9" fmla="*/ 1215958 h 1215958"/>
+              <a:gd name="connsiteX10" fmla="*/ 7949305 w 14439899"/>
+              <a:gd name="connsiteY10" fmla="*/ 1215958 h 1215958"/>
+              <a:gd name="connsiteX11" fmla="*/ 6463406 w 14439899"/>
+              <a:gd name="connsiteY11" fmla="*/ 1215958 h 1215958"/>
+              <a:gd name="connsiteX12" fmla="*/ 7070625 w 14439899"/>
+              <a:gd name="connsiteY12" fmla="*/ 1020695 h 1215958"/>
+              <a:gd name="connsiteX0" fmla="*/ 0 w 14439899"/>
+              <a:gd name="connsiteY0" fmla="*/ 1215958 h 1215958"/>
+              <a:gd name="connsiteX1" fmla="*/ 6463406 w 14439899"/>
+              <a:gd name="connsiteY1" fmla="*/ 1215958 h 1215958"/>
+              <a:gd name="connsiteX2" fmla="*/ 7220643 w 14439899"/>
+              <a:gd name="connsiteY2" fmla="*/ 552149 h 1215958"/>
+              <a:gd name="connsiteX3" fmla="*/ 7949305 w 14439899"/>
+              <a:gd name="connsiteY3" fmla="*/ 1215958 h 1215958"/>
+              <a:gd name="connsiteX4" fmla="*/ 14439899 w 14439899"/>
+              <a:gd name="connsiteY4" fmla="*/ 1215958 h 1215958"/>
+              <a:gd name="connsiteX5" fmla="*/ 14439899 w 14439899"/>
+              <a:gd name="connsiteY5" fmla="*/ 0 h 1215958"/>
+              <a:gd name="connsiteX6" fmla="*/ 0 w 14439899"/>
+              <a:gd name="connsiteY6" fmla="*/ 0 h 1215958"/>
+              <a:gd name="connsiteX7" fmla="*/ 0 w 14439899"/>
+              <a:gd name="connsiteY7" fmla="*/ 1215958 h 1215958"/>
+              <a:gd name="connsiteX8" fmla="*/ 7218262 w 14439899"/>
+              <a:gd name="connsiteY8" fmla="*/ 1213576 h 1215958"/>
+              <a:gd name="connsiteX9" fmla="*/ 7949305 w 14439899"/>
+              <a:gd name="connsiteY9" fmla="*/ 1215958 h 1215958"/>
+              <a:gd name="connsiteX10" fmla="*/ 7949305 w 14439899"/>
+              <a:gd name="connsiteY10" fmla="*/ 1215958 h 1215958"/>
+              <a:gd name="connsiteX11" fmla="*/ 6463406 w 14439899"/>
+              <a:gd name="connsiteY11" fmla="*/ 1215958 h 1215958"/>
+              <a:gd name="connsiteX12" fmla="*/ 7218262 w 14439899"/>
+              <a:gd name="connsiteY12" fmla="*/ 1213576 h 1215958"/>
+              <a:gd name="connsiteX0" fmla="*/ 0 w 14439899"/>
+              <a:gd name="connsiteY0" fmla="*/ 1215958 h 1215958"/>
+              <a:gd name="connsiteX1" fmla="*/ 6463406 w 14439899"/>
+              <a:gd name="connsiteY1" fmla="*/ 1215958 h 1215958"/>
+              <a:gd name="connsiteX2" fmla="*/ 7220643 w 14439899"/>
+              <a:gd name="connsiteY2" fmla="*/ 552149 h 1215958"/>
+              <a:gd name="connsiteX3" fmla="*/ 7949305 w 14439899"/>
+              <a:gd name="connsiteY3" fmla="*/ 1215958 h 1215958"/>
+              <a:gd name="connsiteX4" fmla="*/ 14439899 w 14439899"/>
+              <a:gd name="connsiteY4" fmla="*/ 1215958 h 1215958"/>
+              <a:gd name="connsiteX5" fmla="*/ 14439899 w 14439899"/>
+              <a:gd name="connsiteY5" fmla="*/ 0 h 1215958"/>
+              <a:gd name="connsiteX6" fmla="*/ 0 w 14439899"/>
+              <a:gd name="connsiteY6" fmla="*/ 0 h 1215958"/>
+              <a:gd name="connsiteX7" fmla="*/ 0 w 14439899"/>
+              <a:gd name="connsiteY7" fmla="*/ 1215958 h 1215958"/>
+              <a:gd name="connsiteX8" fmla="*/ 7218262 w 14439899"/>
+              <a:gd name="connsiteY8" fmla="*/ 1213576 h 1215958"/>
+              <a:gd name="connsiteX9" fmla="*/ 7949305 w 14439899"/>
+              <a:gd name="connsiteY9" fmla="*/ 1215958 h 1215958"/>
+              <a:gd name="connsiteX10" fmla="*/ 7949305 w 14439899"/>
+              <a:gd name="connsiteY10" fmla="*/ 1215958 h 1215958"/>
+              <a:gd name="connsiteX11" fmla="*/ 6463406 w 14439899"/>
+              <a:gd name="connsiteY11" fmla="*/ 1215958 h 1215958"/>
+              <a:gd name="connsiteX12" fmla="*/ 7218262 w 14439899"/>
+              <a:gd name="connsiteY12" fmla="*/ 1213576 h 1215958"/>
+              <a:gd name="connsiteX0" fmla="*/ 0 w 14439899"/>
+              <a:gd name="connsiteY0" fmla="*/ 1215958 h 1215958"/>
+              <a:gd name="connsiteX1" fmla="*/ 6463406 w 14439899"/>
+              <a:gd name="connsiteY1" fmla="*/ 1215958 h 1215958"/>
+              <a:gd name="connsiteX2" fmla="*/ 7220643 w 14439899"/>
+              <a:gd name="connsiteY2" fmla="*/ 552149 h 1215958"/>
+              <a:gd name="connsiteX3" fmla="*/ 7949305 w 14439899"/>
+              <a:gd name="connsiteY3" fmla="*/ 1215958 h 1215958"/>
+              <a:gd name="connsiteX4" fmla="*/ 14439899 w 14439899"/>
+              <a:gd name="connsiteY4" fmla="*/ 1215958 h 1215958"/>
+              <a:gd name="connsiteX5" fmla="*/ 14439899 w 14439899"/>
+              <a:gd name="connsiteY5" fmla="*/ 0 h 1215958"/>
+              <a:gd name="connsiteX6" fmla="*/ 0 w 14439899"/>
+              <a:gd name="connsiteY6" fmla="*/ 0 h 1215958"/>
+              <a:gd name="connsiteX7" fmla="*/ 0 w 14439899"/>
+              <a:gd name="connsiteY7" fmla="*/ 1215958 h 1215958"/>
+              <a:gd name="connsiteX8" fmla="*/ 7218262 w 14439899"/>
+              <a:gd name="connsiteY8" fmla="*/ 1213576 h 1215958"/>
+              <a:gd name="connsiteX9" fmla="*/ 7949305 w 14439899"/>
+              <a:gd name="connsiteY9" fmla="*/ 1215958 h 1215958"/>
+              <a:gd name="connsiteX10" fmla="*/ 7949305 w 14439899"/>
+              <a:gd name="connsiteY10" fmla="*/ 1215958 h 1215958"/>
+              <a:gd name="connsiteX11" fmla="*/ 6463406 w 14439899"/>
+              <a:gd name="connsiteY11" fmla="*/ 1215958 h 1215958"/>
+              <a:gd name="connsiteX12" fmla="*/ 7218262 w 14439899"/>
+              <a:gd name="connsiteY12" fmla="*/ 1213576 h 1215958"/>
+              <a:gd name="connsiteX0" fmla="*/ 0 w 14439899"/>
+              <a:gd name="connsiteY0" fmla="*/ 1215958 h 1215958"/>
+              <a:gd name="connsiteX1" fmla="*/ 6463406 w 14439899"/>
+              <a:gd name="connsiteY1" fmla="*/ 1215958 h 1215958"/>
+              <a:gd name="connsiteX2" fmla="*/ 7234930 w 14439899"/>
+              <a:gd name="connsiteY2" fmla="*/ 623587 h 1215958"/>
+              <a:gd name="connsiteX3" fmla="*/ 7949305 w 14439899"/>
+              <a:gd name="connsiteY3" fmla="*/ 1215958 h 1215958"/>
+              <a:gd name="connsiteX4" fmla="*/ 14439899 w 14439899"/>
+              <a:gd name="connsiteY4" fmla="*/ 1215958 h 1215958"/>
+              <a:gd name="connsiteX5" fmla="*/ 14439899 w 14439899"/>
+              <a:gd name="connsiteY5" fmla="*/ 0 h 1215958"/>
+              <a:gd name="connsiteX6" fmla="*/ 0 w 14439899"/>
+              <a:gd name="connsiteY6" fmla="*/ 0 h 1215958"/>
+              <a:gd name="connsiteX7" fmla="*/ 0 w 14439899"/>
+              <a:gd name="connsiteY7" fmla="*/ 1215958 h 1215958"/>
+              <a:gd name="connsiteX8" fmla="*/ 7218262 w 14439899"/>
+              <a:gd name="connsiteY8" fmla="*/ 1213576 h 1215958"/>
+              <a:gd name="connsiteX9" fmla="*/ 7949305 w 14439899"/>
+              <a:gd name="connsiteY9" fmla="*/ 1215958 h 1215958"/>
+              <a:gd name="connsiteX10" fmla="*/ 7949305 w 14439899"/>
+              <a:gd name="connsiteY10" fmla="*/ 1215958 h 1215958"/>
+              <a:gd name="connsiteX11" fmla="*/ 6463406 w 14439899"/>
+              <a:gd name="connsiteY11" fmla="*/ 1215958 h 1215958"/>
+              <a:gd name="connsiteX12" fmla="*/ 7218262 w 14439899"/>
+              <a:gd name="connsiteY12" fmla="*/ 1213576 h 1215958"/>
+              <a:gd name="connsiteX0" fmla="*/ 0 w 14439899"/>
+              <a:gd name="connsiteY0" fmla="*/ 1215958 h 1215958"/>
+              <a:gd name="connsiteX1" fmla="*/ 6463406 w 14439899"/>
+              <a:gd name="connsiteY1" fmla="*/ 1215958 h 1215958"/>
+              <a:gd name="connsiteX2" fmla="*/ 7234930 w 14439899"/>
+              <a:gd name="connsiteY2" fmla="*/ 623587 h 1215958"/>
+              <a:gd name="connsiteX3" fmla="*/ 7949305 w 14439899"/>
+              <a:gd name="connsiteY3" fmla="*/ 1215958 h 1215958"/>
+              <a:gd name="connsiteX4" fmla="*/ 14439899 w 14439899"/>
+              <a:gd name="connsiteY4" fmla="*/ 1215958 h 1215958"/>
+              <a:gd name="connsiteX5" fmla="*/ 14439899 w 14439899"/>
+              <a:gd name="connsiteY5" fmla="*/ 0 h 1215958"/>
+              <a:gd name="connsiteX6" fmla="*/ 0 w 14439899"/>
+              <a:gd name="connsiteY6" fmla="*/ 0 h 1215958"/>
+              <a:gd name="connsiteX7" fmla="*/ 0 w 14439899"/>
+              <a:gd name="connsiteY7" fmla="*/ 1215958 h 1215958"/>
+              <a:gd name="connsiteX8" fmla="*/ 7218262 w 14439899"/>
+              <a:gd name="connsiteY8" fmla="*/ 1213576 h 1215958"/>
+              <a:gd name="connsiteX9" fmla="*/ 7949305 w 14439899"/>
+              <a:gd name="connsiteY9" fmla="*/ 1215958 h 1215958"/>
+              <a:gd name="connsiteX10" fmla="*/ 7949305 w 14439899"/>
+              <a:gd name="connsiteY10" fmla="*/ 1215958 h 1215958"/>
+              <a:gd name="connsiteX11" fmla="*/ 6463406 w 14439899"/>
+              <a:gd name="connsiteY11" fmla="*/ 1215958 h 1215958"/>
+              <a:gd name="connsiteX12" fmla="*/ 7218262 w 14439899"/>
+              <a:gd name="connsiteY12" fmla="*/ 1213576 h 1215958"/>
+              <a:gd name="connsiteX0" fmla="*/ 0 w 14439899"/>
+              <a:gd name="connsiteY0" fmla="*/ 1215958 h 1215958"/>
+              <a:gd name="connsiteX1" fmla="*/ 6463406 w 14439899"/>
+              <a:gd name="connsiteY1" fmla="*/ 1215958 h 1215958"/>
+              <a:gd name="connsiteX2" fmla="*/ 7218261 w 14439899"/>
+              <a:gd name="connsiteY2" fmla="*/ 623587 h 1215958"/>
+              <a:gd name="connsiteX3" fmla="*/ 7949305 w 14439899"/>
+              <a:gd name="connsiteY3" fmla="*/ 1215958 h 1215958"/>
+              <a:gd name="connsiteX4" fmla="*/ 14439899 w 14439899"/>
+              <a:gd name="connsiteY4" fmla="*/ 1215958 h 1215958"/>
+              <a:gd name="connsiteX5" fmla="*/ 14439899 w 14439899"/>
+              <a:gd name="connsiteY5" fmla="*/ 0 h 1215958"/>
+              <a:gd name="connsiteX6" fmla="*/ 0 w 14439899"/>
+              <a:gd name="connsiteY6" fmla="*/ 0 h 1215958"/>
+              <a:gd name="connsiteX7" fmla="*/ 0 w 14439899"/>
+              <a:gd name="connsiteY7" fmla="*/ 1215958 h 1215958"/>
+              <a:gd name="connsiteX8" fmla="*/ 7218262 w 14439899"/>
+              <a:gd name="connsiteY8" fmla="*/ 1213576 h 1215958"/>
+              <a:gd name="connsiteX9" fmla="*/ 7949305 w 14439899"/>
+              <a:gd name="connsiteY9" fmla="*/ 1215958 h 1215958"/>
+              <a:gd name="connsiteX10" fmla="*/ 7949305 w 14439899"/>
+              <a:gd name="connsiteY10" fmla="*/ 1215958 h 1215958"/>
+              <a:gd name="connsiteX11" fmla="*/ 6463406 w 14439899"/>
+              <a:gd name="connsiteY11" fmla="*/ 1215958 h 1215958"/>
+              <a:gd name="connsiteX12" fmla="*/ 7218262 w 14439899"/>
+              <a:gd name="connsiteY12" fmla="*/ 1213576 h 1215958"/>
+            </a:gdLst>
+            <a:ahLst/>
+            <a:cxnLst>
+              <a:cxn ang="0">
+                <a:pos x="connsiteX0" y="connsiteY0"/>
+              </a:cxn>
+              <a:cxn ang="0">
+                <a:pos x="connsiteX1" y="connsiteY1"/>
+              </a:cxn>
+              <a:cxn ang="0">
+                <a:pos x="connsiteX2" y="connsiteY2"/>
+              </a:cxn>
+              <a:cxn ang="0">
+                <a:pos x="connsiteX3" y="connsiteY3"/>
+              </a:cxn>
+              <a:cxn ang="0">
+                <a:pos x="connsiteX4" y="connsiteY4"/>
+              </a:cxn>
+              <a:cxn ang="0">
+                <a:pos x="connsiteX5" y="connsiteY5"/>
+              </a:cxn>
+              <a:cxn ang="0">
+                <a:pos x="connsiteX6" y="connsiteY6"/>
+              </a:cxn>
+              <a:cxn ang="0">
+                <a:pos x="connsiteX7" y="connsiteY7"/>
+              </a:cxn>
+              <a:cxn ang="0">
+                <a:pos x="connsiteX8" y="connsiteY8"/>
+              </a:cxn>
+              <a:cxn ang="0">
+                <a:pos x="connsiteX9" y="connsiteY9"/>
+              </a:cxn>
+              <a:cxn ang="0">
+                <a:pos x="connsiteX10" y="connsiteY10"/>
+              </a:cxn>
+              <a:cxn ang="0">
+                <a:pos x="connsiteX11" y="connsiteY11"/>
+              </a:cxn>
+              <a:cxn ang="0">
+                <a:pos x="connsiteX12" y="connsiteY12"/>
+              </a:cxn>
+            </a:cxnLst>
+            <a:rect l="l" t="t" r="r" b="b"/>
+            <a:pathLst>
+              <a:path w="14439899" h="1215958">
+                <a:moveTo>
+                  <a:pt x="0" y="1215958"/>
+                </a:moveTo>
+                <a:lnTo>
+                  <a:pt x="6463406" y="1215958"/>
+                </a:lnTo>
+                <a:cubicBezTo>
+                  <a:pt x="6715818" y="994688"/>
+                  <a:pt x="6901555" y="630544"/>
+                  <a:pt x="7218261" y="623587"/>
+                </a:cubicBezTo>
+                <a:cubicBezTo>
+                  <a:pt x="7539729" y="625782"/>
+                  <a:pt x="7804049" y="1011356"/>
+                  <a:pt x="7949305" y="1215958"/>
+                </a:cubicBezTo>
+                <a:lnTo>
+                  <a:pt x="14439899" y="1215958"/>
+                </a:lnTo>
+                <a:lnTo>
+                  <a:pt x="14439899" y="0"/>
+                </a:lnTo>
+                <a:lnTo>
+                  <a:pt x="0" y="0"/>
+                </a:lnTo>
+                <a:lnTo>
+                  <a:pt x="0" y="1215958"/>
+                </a:lnTo>
+                <a:close/>
+                <a:moveTo>
+                  <a:pt x="7218262" y="1213576"/>
+                </a:moveTo>
+                <a:lnTo>
+                  <a:pt x="7949305" y="1215958"/>
+                </a:lnTo>
+                <a:lnTo>
+                  <a:pt x="7949305" y="1215958"/>
+                </a:lnTo>
+                <a:lnTo>
+                  <a:pt x="6463406" y="1215958"/>
+                </a:lnTo>
+                <a:lnTo>
+                  <a:pt x="7218262" y="1213576"/>
+                </a:lnTo>
+                <a:close/>
+              </a:path>
+            </a:pathLst>
+          </a:custGeom>
+          <a:solidFill>
+            <a:schemeClr val="bg1"/>
+          </a:solidFill>
+          <a:ln>
+            <a:noFill/>
+          </a:ln>
+        </p:spPr>
+        <p:style>
+          <a:lnRef idx="2">
+            <a:schemeClr val="accent1">
+              <a:shade val="50000"/>
+            </a:schemeClr>
+          </a:lnRef>
+          <a:fillRef idx="1">
+            <a:schemeClr val="accent1"/>
+          </a:fillRef>
+          <a:effectRef idx="0">
+            <a:schemeClr val="accent1"/>
+          </a:effectRef>
+          <a:fontRef idx="minor">
+            <a:schemeClr val="lt1"/>
+          </a:fontRef>
+        </p:style>
+        <p:txBody>
+          <a:bodyPr wrap="square" rtlCol="0" anchor="ctr">
+            <a:noAutofit/>
+          </a:bodyPr>
+          <a:lstStyle/>
+          <a:p>
+            <a:pPr algn="ctr"/>
+            <a:endParaRPr lang="en-US" dirty="0"/>
+          </a:p>
+        </p:txBody>
+      </p:sp>
+      <p:pic>
+        <p:nvPicPr>
+          <p:cNvPr id="19" name="Graphic 18" descr="Play with solid fill">
+            <a:hlinkClick r:id="rId2" action="ppaction://hlinksldjump"/>
+            <a:extLst>
+              <a:ext uri="{FF2B5EF4-FFF2-40B4-BE49-F238E27FC236}">
                 <a16:creationId xmlns:a16="http://schemas.microsoft.com/office/drawing/2014/main" id="{254485E1-E614-A381-9879-BE1E11B60209}"/>
               </a:ext>
             </a:extLst>
@@ -8755,7 +10348,7 @@
 </p:sld>
 </file>
 
-<file path=ppt/slides/slide4.xml><?xml version="1.0" encoding="utf-8"?>
+<file path=ppt/slides/slide5.xml><?xml version="1.0" encoding="utf-8"?>
 <p:sld xmlns:a="http://schemas.openxmlformats.org/drawingml/2006/main" xmlns:r="http://schemas.openxmlformats.org/officeDocument/2006/relationships" xmlns:p="http://schemas.openxmlformats.org/presentationml/2006/main">
   <p:cSld>
     <p:bg>
@@ -10301,7 +11894,7 @@
 </p:sld>
 </file>
 
-<file path=ppt/slides/slide5.xml><?xml version="1.0" encoding="utf-8"?>
+<file path=ppt/slides/slide6.xml><?xml version="1.0" encoding="utf-8"?>
 <p:sld xmlns:a="http://schemas.openxmlformats.org/drawingml/2006/main" xmlns:r="http://schemas.openxmlformats.org/officeDocument/2006/relationships" xmlns:p="http://schemas.openxmlformats.org/presentationml/2006/main">
   <p:cSld>
     <p:bg>
@@ -12147,7 +13740,7 @@
 </p:sld>
 </file>
 
-<file path=ppt/slides/slide6.xml><?xml version="1.0" encoding="utf-8"?>
+<file path=ppt/slides/slide7.xml><?xml version="1.0" encoding="utf-8"?>
 <p:sld xmlns:a="http://schemas.openxmlformats.org/drawingml/2006/main" xmlns:r="http://schemas.openxmlformats.org/officeDocument/2006/relationships" xmlns:p="http://schemas.openxmlformats.org/presentationml/2006/main">
   <p:cSld>
     <p:bg>
@@ -13961,7 +15554,7 @@
 </p:sld>
 </file>
 
-<file path=ppt/slides/slide7.xml><?xml version="1.0" encoding="utf-8"?>
+<file path=ppt/slides/slide8.xml><?xml version="1.0" encoding="utf-8"?>
 <p:sld xmlns:a="http://schemas.openxmlformats.org/drawingml/2006/main" xmlns:r="http://schemas.openxmlformats.org/officeDocument/2006/relationships" xmlns:p="http://schemas.openxmlformats.org/presentationml/2006/main">
   <p:cSld>
     <p:bg>
